--- a/manuscript/figures-draft-03.pptx
+++ b/manuscript/figures-draft-03.pptx
@@ -196,7 +196,7 @@
           <a:p>
             <a:fld id="{8B4EBA7A-56E1-4937-B6A7-4CCE0E7AD144}" type="datetimeFigureOut">
               <a:rPr lang="en-US" smtClean="0"/>
-              <a:t>10/9/14</a:t>
+              <a:t>10/10/2014</a:t>
             </a:fld>
             <a:endParaRPr lang="en-US"/>
           </a:p>
@@ -837,7 +837,7 @@
           <a:p>
             <a:fld id="{D604A245-C8BD-064D-B7C3-50DA7C8D409F}" type="datetimeFigureOut">
               <a:rPr lang="en-US" smtClean="0"/>
-              <a:t>10/9/14</a:t>
+              <a:t>10/10/2014</a:t>
             </a:fld>
             <a:endParaRPr lang="en-US"/>
           </a:p>
@@ -1007,7 +1007,7 @@
           <a:p>
             <a:fld id="{D604A245-C8BD-064D-B7C3-50DA7C8D409F}" type="datetimeFigureOut">
               <a:rPr lang="en-US" smtClean="0"/>
-              <a:t>10/9/14</a:t>
+              <a:t>10/10/2014</a:t>
             </a:fld>
             <a:endParaRPr lang="en-US"/>
           </a:p>
@@ -1187,7 +1187,7 @@
           <a:p>
             <a:fld id="{D604A245-C8BD-064D-B7C3-50DA7C8D409F}" type="datetimeFigureOut">
               <a:rPr lang="en-US" smtClean="0"/>
-              <a:t>10/9/14</a:t>
+              <a:t>10/10/2014</a:t>
             </a:fld>
             <a:endParaRPr lang="en-US"/>
           </a:p>
@@ -1357,7 +1357,7 @@
           <a:p>
             <a:fld id="{D604A245-C8BD-064D-B7C3-50DA7C8D409F}" type="datetimeFigureOut">
               <a:rPr lang="en-US" smtClean="0"/>
-              <a:t>10/9/14</a:t>
+              <a:t>10/10/2014</a:t>
             </a:fld>
             <a:endParaRPr lang="en-US"/>
           </a:p>
@@ -1603,7 +1603,7 @@
           <a:p>
             <a:fld id="{D604A245-C8BD-064D-B7C3-50DA7C8D409F}" type="datetimeFigureOut">
               <a:rPr lang="en-US" smtClean="0"/>
-              <a:t>10/9/14</a:t>
+              <a:t>10/10/2014</a:t>
             </a:fld>
             <a:endParaRPr lang="en-US"/>
           </a:p>
@@ -1891,7 +1891,7 @@
           <a:p>
             <a:fld id="{D604A245-C8BD-064D-B7C3-50DA7C8D409F}" type="datetimeFigureOut">
               <a:rPr lang="en-US" smtClean="0"/>
-              <a:t>10/9/14</a:t>
+              <a:t>10/10/2014</a:t>
             </a:fld>
             <a:endParaRPr lang="en-US"/>
           </a:p>
@@ -2313,7 +2313,7 @@
           <a:p>
             <a:fld id="{D604A245-C8BD-064D-B7C3-50DA7C8D409F}" type="datetimeFigureOut">
               <a:rPr lang="en-US" smtClean="0"/>
-              <a:t>10/9/14</a:t>
+              <a:t>10/10/2014</a:t>
             </a:fld>
             <a:endParaRPr lang="en-US"/>
           </a:p>
@@ -2431,7 +2431,7 @@
           <a:p>
             <a:fld id="{D604A245-C8BD-064D-B7C3-50DA7C8D409F}" type="datetimeFigureOut">
               <a:rPr lang="en-US" smtClean="0"/>
-              <a:t>10/9/14</a:t>
+              <a:t>10/10/2014</a:t>
             </a:fld>
             <a:endParaRPr lang="en-US"/>
           </a:p>
@@ -2526,7 +2526,7 @@
           <a:p>
             <a:fld id="{D604A245-C8BD-064D-B7C3-50DA7C8D409F}" type="datetimeFigureOut">
               <a:rPr lang="en-US" smtClean="0"/>
-              <a:t>10/9/14</a:t>
+              <a:t>10/10/2014</a:t>
             </a:fld>
             <a:endParaRPr lang="en-US"/>
           </a:p>
@@ -2803,7 +2803,7 @@
           <a:p>
             <a:fld id="{D604A245-C8BD-064D-B7C3-50DA7C8D409F}" type="datetimeFigureOut">
               <a:rPr lang="en-US" smtClean="0"/>
-              <a:t>10/9/14</a:t>
+              <a:t>10/10/2014</a:t>
             </a:fld>
             <a:endParaRPr lang="en-US"/>
           </a:p>
@@ -3056,7 +3056,7 @@
           <a:p>
             <a:fld id="{D604A245-C8BD-064D-B7C3-50DA7C8D409F}" type="datetimeFigureOut">
               <a:rPr lang="en-US" smtClean="0"/>
-              <a:t>10/9/14</a:t>
+              <a:t>10/10/2014</a:t>
             </a:fld>
             <a:endParaRPr lang="en-US"/>
           </a:p>
@@ -3269,7 +3269,7 @@
           <a:p>
             <a:fld id="{D604A245-C8BD-064D-B7C3-50DA7C8D409F}" type="datetimeFigureOut">
               <a:rPr lang="en-US" smtClean="0"/>
-              <a:t>10/9/14</a:t>
+              <a:t>10/10/2014</a:t>
             </a:fld>
             <a:endParaRPr lang="en-US"/>
           </a:p>
@@ -3678,14 +3678,14 @@
             <a:noFill/>
           </a:ln>
           <a:extLst>
-            <a:ext uri="{909E8E84-426E-40dd-AFC4-6F175D3DCCD1}">
+            <a:ext uri="{909E8E84-426E-40DD-AFC4-6F175D3DCCD1}">
               <a14:hiddenFill xmlns:a14="http://schemas.microsoft.com/office/drawing/2010/main">
                 <a:solidFill>
                   <a:schemeClr val="accent1"/>
                 </a:solidFill>
               </a14:hiddenFill>
             </a:ext>
-            <a:ext uri="{91240B29-F687-4f45-9708-019B960494DF}">
+            <a:ext uri="{91240B29-F687-4F45-9708-019B960494DF}">
               <a14:hiddenLine xmlns:a14="http://schemas.microsoft.com/office/drawing/2010/main" w="9525">
                 <a:solidFill>
                   <a:schemeClr val="tx1"/>
@@ -3732,14 +3732,14 @@
             <a:noFill/>
           </a:ln>
           <a:extLst>
-            <a:ext uri="{909E8E84-426E-40dd-AFC4-6F175D3DCCD1}">
+            <a:ext uri="{909E8E84-426E-40DD-AFC4-6F175D3DCCD1}">
               <a14:hiddenFill xmlns:a14="http://schemas.microsoft.com/office/drawing/2010/main">
                 <a:solidFill>
                   <a:schemeClr val="accent1"/>
                 </a:solidFill>
               </a14:hiddenFill>
             </a:ext>
-            <a:ext uri="{91240B29-F687-4f45-9708-019B960494DF}">
+            <a:ext uri="{91240B29-F687-4F45-9708-019B960494DF}">
               <a14:hiddenLine xmlns:a14="http://schemas.microsoft.com/office/drawing/2010/main" w="9525">
                 <a:solidFill>
                   <a:schemeClr val="tx1"/>
@@ -3786,14 +3786,14 @@
             <a:noFill/>
           </a:ln>
           <a:extLst>
-            <a:ext uri="{909E8E84-426E-40dd-AFC4-6F175D3DCCD1}">
+            <a:ext uri="{909E8E84-426E-40DD-AFC4-6F175D3DCCD1}">
               <a14:hiddenFill xmlns:a14="http://schemas.microsoft.com/office/drawing/2010/main">
                 <a:solidFill>
                   <a:schemeClr val="accent1"/>
                 </a:solidFill>
               </a14:hiddenFill>
             </a:ext>
-            <a:ext uri="{91240B29-F687-4f45-9708-019B960494DF}">
+            <a:ext uri="{91240B29-F687-4F45-9708-019B960494DF}">
               <a14:hiddenLine xmlns:a14="http://schemas.microsoft.com/office/drawing/2010/main" w="9525">
                 <a:solidFill>
                   <a:schemeClr val="tx1"/>
@@ -3874,7 +3874,7 @@
         </p:nvSpPr>
         <p:spPr>
           <a:xfrm>
-            <a:off x="3673303" y="109236"/>
+            <a:off x="2738583" y="151884"/>
             <a:ext cx="1529405" cy="573492"/>
           </a:xfrm>
           <a:prstGeom prst="rect">
@@ -3909,14 +3909,14 @@
           <a:p>
             <a:pPr algn="ctr"/>
             <a:r>
-              <a:rPr lang="en-US" dirty="0" smtClean="0">
+              <a:rPr lang="en-US" sz="1600" dirty="0" smtClean="0">
                 <a:solidFill>
                   <a:schemeClr val="tx1"/>
                 </a:solidFill>
               </a:rPr>
               <a:t>D.I. values</a:t>
             </a:r>
-            <a:endParaRPr lang="en-US" dirty="0">
+            <a:endParaRPr lang="en-US" sz="1600" dirty="0">
               <a:solidFill>
                 <a:schemeClr val="tx1"/>
               </a:solidFill>
@@ -3932,8 +3932,8 @@
         </p:nvSpPr>
         <p:spPr>
           <a:xfrm>
-            <a:off x="3673303" y="1531510"/>
-            <a:ext cx="1529405" cy="573492"/>
+            <a:off x="2398617" y="1178560"/>
+            <a:ext cx="2203863" cy="643696"/>
           </a:xfrm>
           <a:prstGeom prst="rect">
             <a:avLst/>
@@ -3967,14 +3967,632 @@
           <a:p>
             <a:pPr algn="ctr"/>
             <a:r>
-              <a:rPr lang="en-US" dirty="0" smtClean="0">
+              <a:rPr lang="en-US" sz="1600" dirty="0" smtClean="0">
                 <a:solidFill>
                   <a:schemeClr val="tx1"/>
                 </a:solidFill>
               </a:rPr>
-              <a:t>D.I. values</a:t>
-            </a:r>
-            <a:endParaRPr lang="en-US" dirty="0">
+              <a:t>Identify peak candidates from the density plot</a:t>
+            </a:r>
+            <a:endParaRPr lang="en-US" sz="1600" dirty="0">
+              <a:solidFill>
+                <a:schemeClr val="tx1"/>
+              </a:solidFill>
+            </a:endParaRPr>
+          </a:p>
+        </p:txBody>
+      </p:sp>
+      <p:sp>
+        <p:nvSpPr>
+          <p:cNvPr id="2" name="Down Arrow 1"/>
+          <p:cNvSpPr/>
+          <p:nvPr/>
+        </p:nvSpPr>
+        <p:spPr>
+          <a:xfrm>
+            <a:off x="3291839" y="741680"/>
+            <a:ext cx="396241" cy="436880"/>
+          </a:xfrm>
+          <a:prstGeom prst="downArrow">
+            <a:avLst/>
+          </a:prstGeom>
+        </p:spPr>
+        <p:style>
+          <a:lnRef idx="1">
+            <a:schemeClr val="accent1"/>
+          </a:lnRef>
+          <a:fillRef idx="3">
+            <a:schemeClr val="accent1"/>
+          </a:fillRef>
+          <a:effectRef idx="2">
+            <a:schemeClr val="accent1"/>
+          </a:effectRef>
+          <a:fontRef idx="minor">
+            <a:schemeClr val="lt1"/>
+          </a:fontRef>
+        </p:style>
+        <p:txBody>
+          <a:bodyPr rtlCol="0" anchor="ctr"/>
+          <a:lstStyle/>
+          <a:p>
+            <a:pPr algn="ctr"/>
+            <a:endParaRPr lang="en-US"/>
+          </a:p>
+        </p:txBody>
+      </p:sp>
+      <p:sp>
+        <p:nvSpPr>
+          <p:cNvPr id="5" name="Rectangle 4"/>
+          <p:cNvSpPr/>
+          <p:nvPr/>
+        </p:nvSpPr>
+        <p:spPr>
+          <a:xfrm>
+            <a:off x="2248131" y="2255080"/>
+            <a:ext cx="2493817" cy="573492"/>
+          </a:xfrm>
+          <a:prstGeom prst="rect">
+            <a:avLst/>
+          </a:prstGeom>
+          <a:solidFill>
+            <a:srgbClr val="FFFF00"/>
+          </a:solidFill>
+          <a:ln>
+            <a:solidFill>
+              <a:schemeClr val="bg2"/>
+            </a:solidFill>
+          </a:ln>
+        </p:spPr>
+        <p:style>
+          <a:lnRef idx="1">
+            <a:schemeClr val="accent1"/>
+          </a:lnRef>
+          <a:fillRef idx="3">
+            <a:schemeClr val="accent1"/>
+          </a:fillRef>
+          <a:effectRef idx="2">
+            <a:schemeClr val="accent1"/>
+          </a:effectRef>
+          <a:fontRef idx="minor">
+            <a:schemeClr val="lt1"/>
+          </a:fontRef>
+        </p:style>
+        <p:txBody>
+          <a:bodyPr rtlCol="0" anchor="ctr"/>
+          <a:lstStyle/>
+          <a:p>
+            <a:pPr algn="ctr"/>
+            <a:r>
+              <a:rPr lang="en-US" sz="1600" dirty="0" smtClean="0">
+                <a:solidFill>
+                  <a:schemeClr val="tx1"/>
+                </a:solidFill>
+              </a:rPr>
+              <a:t>Stripping out the normal cell population</a:t>
+            </a:r>
+            <a:endParaRPr lang="en-US" sz="1600" dirty="0">
+              <a:solidFill>
+                <a:schemeClr val="tx1"/>
+              </a:solidFill>
+            </a:endParaRPr>
+          </a:p>
+        </p:txBody>
+      </p:sp>
+      <p:sp>
+        <p:nvSpPr>
+          <p:cNvPr id="6" name="Rectangle 5"/>
+          <p:cNvSpPr/>
+          <p:nvPr/>
+        </p:nvSpPr>
+        <p:spPr>
+          <a:xfrm>
+            <a:off x="5466937" y="1480433"/>
+            <a:ext cx="1452023" cy="541406"/>
+          </a:xfrm>
+          <a:prstGeom prst="rect">
+            <a:avLst/>
+          </a:prstGeom>
+          <a:solidFill>
+            <a:srgbClr val="FFFF00"/>
+          </a:solidFill>
+          <a:ln>
+            <a:solidFill>
+              <a:schemeClr val="bg2"/>
+            </a:solidFill>
+          </a:ln>
+        </p:spPr>
+        <p:style>
+          <a:lnRef idx="1">
+            <a:schemeClr val="accent1"/>
+          </a:lnRef>
+          <a:fillRef idx="3">
+            <a:schemeClr val="accent1"/>
+          </a:fillRef>
+          <a:effectRef idx="2">
+            <a:schemeClr val="accent1"/>
+          </a:effectRef>
+          <a:fontRef idx="minor">
+            <a:schemeClr val="lt1"/>
+          </a:fontRef>
+        </p:style>
+        <p:txBody>
+          <a:bodyPr rtlCol="0" anchor="ctr"/>
+          <a:lstStyle/>
+          <a:p>
+            <a:pPr algn="ctr"/>
+            <a:r>
+              <a:rPr lang="en-US" sz="1600" dirty="0" smtClean="0">
+                <a:solidFill>
+                  <a:schemeClr val="tx1"/>
+                </a:solidFill>
+              </a:rPr>
+              <a:t>Expert-guide parameters</a:t>
+            </a:r>
+            <a:endParaRPr lang="en-US" sz="1600" dirty="0">
+              <a:solidFill>
+                <a:schemeClr val="tx1"/>
+              </a:solidFill>
+            </a:endParaRPr>
+          </a:p>
+        </p:txBody>
+      </p:sp>
+      <p:sp>
+        <p:nvSpPr>
+          <p:cNvPr id="3" name="Bent Arrow 2"/>
+          <p:cNvSpPr/>
+          <p:nvPr/>
+        </p:nvSpPr>
+        <p:spPr>
+          <a:xfrm rot="10800000">
+            <a:off x="4767776" y="2031560"/>
+            <a:ext cx="1496292" cy="676478"/>
+          </a:xfrm>
+          <a:prstGeom prst="bentArrow">
+            <a:avLst/>
+          </a:prstGeom>
+        </p:spPr>
+        <p:style>
+          <a:lnRef idx="1">
+            <a:schemeClr val="accent1"/>
+          </a:lnRef>
+          <a:fillRef idx="3">
+            <a:schemeClr val="accent1"/>
+          </a:fillRef>
+          <a:effectRef idx="2">
+            <a:schemeClr val="accent1"/>
+          </a:effectRef>
+          <a:fontRef idx="minor">
+            <a:schemeClr val="lt1"/>
+          </a:fontRef>
+        </p:style>
+        <p:txBody>
+          <a:bodyPr rtlCol="0" anchor="ctr"/>
+          <a:lstStyle/>
+          <a:p>
+            <a:pPr algn="ctr"/>
+            <a:endParaRPr lang="en-US">
+              <a:solidFill>
+                <a:schemeClr val="tx1"/>
+              </a:solidFill>
+            </a:endParaRPr>
+          </a:p>
+        </p:txBody>
+      </p:sp>
+      <p:sp>
+        <p:nvSpPr>
+          <p:cNvPr id="10" name="Rectangle 9"/>
+          <p:cNvSpPr/>
+          <p:nvPr/>
+        </p:nvSpPr>
+        <p:spPr>
+          <a:xfrm>
+            <a:off x="2237971" y="3277438"/>
+            <a:ext cx="2493817" cy="573492"/>
+          </a:xfrm>
+          <a:prstGeom prst="rect">
+            <a:avLst/>
+          </a:prstGeom>
+          <a:solidFill>
+            <a:srgbClr val="FFFF00"/>
+          </a:solidFill>
+          <a:ln>
+            <a:solidFill>
+              <a:schemeClr val="bg2"/>
+            </a:solidFill>
+          </a:ln>
+        </p:spPr>
+        <p:style>
+          <a:lnRef idx="1">
+            <a:schemeClr val="accent1"/>
+          </a:lnRef>
+          <a:fillRef idx="3">
+            <a:schemeClr val="accent1"/>
+          </a:fillRef>
+          <a:effectRef idx="2">
+            <a:schemeClr val="accent1"/>
+          </a:effectRef>
+          <a:fontRef idx="minor">
+            <a:schemeClr val="lt1"/>
+          </a:fontRef>
+        </p:style>
+        <p:txBody>
+          <a:bodyPr rtlCol="0" anchor="ctr"/>
+          <a:lstStyle/>
+          <a:p>
+            <a:pPr algn="ctr"/>
+            <a:r>
+              <a:rPr lang="en-US" sz="1600" dirty="0" smtClean="0">
+                <a:solidFill>
+                  <a:schemeClr val="tx1"/>
+                </a:solidFill>
+              </a:rPr>
+              <a:t>Stripping out the mitotic cell population</a:t>
+            </a:r>
+            <a:endParaRPr lang="en-US" sz="1600" dirty="0">
+              <a:solidFill>
+                <a:schemeClr val="tx1"/>
+              </a:solidFill>
+            </a:endParaRPr>
+          </a:p>
+        </p:txBody>
+      </p:sp>
+      <p:sp>
+        <p:nvSpPr>
+          <p:cNvPr id="12" name="Rectangle 11"/>
+          <p:cNvSpPr/>
+          <p:nvPr/>
+        </p:nvSpPr>
+        <p:spPr>
+          <a:xfrm>
+            <a:off x="2232890" y="4308130"/>
+            <a:ext cx="2483656" cy="770484"/>
+          </a:xfrm>
+          <a:prstGeom prst="rect">
+            <a:avLst/>
+          </a:prstGeom>
+          <a:solidFill>
+            <a:srgbClr val="FFFF00"/>
+          </a:solidFill>
+          <a:ln>
+            <a:solidFill>
+              <a:schemeClr val="bg2"/>
+            </a:solidFill>
+          </a:ln>
+        </p:spPr>
+        <p:style>
+          <a:lnRef idx="1">
+            <a:schemeClr val="accent1"/>
+          </a:lnRef>
+          <a:fillRef idx="3">
+            <a:schemeClr val="accent1"/>
+          </a:fillRef>
+          <a:effectRef idx="2">
+            <a:schemeClr val="accent1"/>
+          </a:effectRef>
+          <a:fontRef idx="minor">
+            <a:schemeClr val="lt1"/>
+          </a:fontRef>
+        </p:style>
+        <p:txBody>
+          <a:bodyPr rtlCol="0" anchor="ctr"/>
+          <a:lstStyle/>
+          <a:p>
+            <a:pPr algn="ctr"/>
+            <a:r>
+              <a:rPr lang="en-US" sz="1600" dirty="0" smtClean="0">
+                <a:solidFill>
+                  <a:schemeClr val="tx1"/>
+                </a:solidFill>
+              </a:rPr>
+              <a:t>Retain summary statistics for normal and mitotic populations</a:t>
+            </a:r>
+            <a:endParaRPr lang="en-US" sz="1600" dirty="0">
+              <a:solidFill>
+                <a:schemeClr val="tx1"/>
+              </a:solidFill>
+            </a:endParaRPr>
+          </a:p>
+        </p:txBody>
+      </p:sp>
+      <p:sp>
+        <p:nvSpPr>
+          <p:cNvPr id="14" name="Down Arrow 13"/>
+          <p:cNvSpPr/>
+          <p:nvPr/>
+        </p:nvSpPr>
+        <p:spPr>
+          <a:xfrm>
+            <a:off x="3286759" y="1833440"/>
+            <a:ext cx="396241" cy="436880"/>
+          </a:xfrm>
+          <a:prstGeom prst="downArrow">
+            <a:avLst/>
+          </a:prstGeom>
+        </p:spPr>
+        <p:style>
+          <a:lnRef idx="1">
+            <a:schemeClr val="accent1"/>
+          </a:lnRef>
+          <a:fillRef idx="3">
+            <a:schemeClr val="accent1"/>
+          </a:fillRef>
+          <a:effectRef idx="2">
+            <a:schemeClr val="accent1"/>
+          </a:effectRef>
+          <a:fontRef idx="minor">
+            <a:schemeClr val="lt1"/>
+          </a:fontRef>
+        </p:style>
+        <p:txBody>
+          <a:bodyPr rtlCol="0" anchor="ctr"/>
+          <a:lstStyle/>
+          <a:p>
+            <a:pPr algn="ctr"/>
+            <a:endParaRPr lang="en-US"/>
+          </a:p>
+        </p:txBody>
+      </p:sp>
+      <p:sp>
+        <p:nvSpPr>
+          <p:cNvPr id="15" name="Down Arrow 14"/>
+          <p:cNvSpPr/>
+          <p:nvPr/>
+        </p:nvSpPr>
+        <p:spPr>
+          <a:xfrm>
+            <a:off x="3281679" y="2840558"/>
+            <a:ext cx="396241" cy="436880"/>
+          </a:xfrm>
+          <a:prstGeom prst="downArrow">
+            <a:avLst/>
+          </a:prstGeom>
+        </p:spPr>
+        <p:style>
+          <a:lnRef idx="1">
+            <a:schemeClr val="accent1"/>
+          </a:lnRef>
+          <a:fillRef idx="3">
+            <a:schemeClr val="accent1"/>
+          </a:fillRef>
+          <a:effectRef idx="2">
+            <a:schemeClr val="accent1"/>
+          </a:effectRef>
+          <a:fontRef idx="minor">
+            <a:schemeClr val="lt1"/>
+          </a:fontRef>
+        </p:style>
+        <p:txBody>
+          <a:bodyPr rtlCol="0" anchor="ctr"/>
+          <a:lstStyle/>
+          <a:p>
+            <a:pPr algn="ctr"/>
+            <a:endParaRPr lang="en-US"/>
+          </a:p>
+        </p:txBody>
+      </p:sp>
+      <p:sp>
+        <p:nvSpPr>
+          <p:cNvPr id="16" name="Down Arrow 15"/>
+          <p:cNvSpPr/>
+          <p:nvPr/>
+        </p:nvSpPr>
+        <p:spPr>
+          <a:xfrm>
+            <a:off x="3276598" y="3871250"/>
+            <a:ext cx="396241" cy="436880"/>
+          </a:xfrm>
+          <a:prstGeom prst="downArrow">
+            <a:avLst/>
+          </a:prstGeom>
+        </p:spPr>
+        <p:style>
+          <a:lnRef idx="1">
+            <a:schemeClr val="accent1"/>
+          </a:lnRef>
+          <a:fillRef idx="3">
+            <a:schemeClr val="accent1"/>
+          </a:fillRef>
+          <a:effectRef idx="2">
+            <a:schemeClr val="accent1"/>
+          </a:effectRef>
+          <a:fontRef idx="minor">
+            <a:schemeClr val="lt1"/>
+          </a:fontRef>
+        </p:style>
+        <p:txBody>
+          <a:bodyPr rtlCol="0" anchor="ctr"/>
+          <a:lstStyle/>
+          <a:p>
+            <a:pPr algn="ctr"/>
+            <a:endParaRPr lang="en-US"/>
+          </a:p>
+        </p:txBody>
+      </p:sp>
+      <p:sp>
+        <p:nvSpPr>
+          <p:cNvPr id="17" name="Rectangle 16"/>
+          <p:cNvSpPr/>
+          <p:nvPr/>
+        </p:nvSpPr>
+        <p:spPr>
+          <a:xfrm>
+            <a:off x="5588857" y="4422669"/>
+            <a:ext cx="1452023" cy="541406"/>
+          </a:xfrm>
+          <a:prstGeom prst="rect">
+            <a:avLst/>
+          </a:prstGeom>
+          <a:solidFill>
+            <a:srgbClr val="FFFF00"/>
+          </a:solidFill>
+          <a:ln>
+            <a:solidFill>
+              <a:schemeClr val="bg2"/>
+            </a:solidFill>
+          </a:ln>
+        </p:spPr>
+        <p:style>
+          <a:lnRef idx="1">
+            <a:schemeClr val="accent1"/>
+          </a:lnRef>
+          <a:fillRef idx="3">
+            <a:schemeClr val="accent1"/>
+          </a:fillRef>
+          <a:effectRef idx="2">
+            <a:schemeClr val="accent1"/>
+          </a:effectRef>
+          <a:fontRef idx="minor">
+            <a:schemeClr val="lt1"/>
+          </a:fontRef>
+        </p:style>
+        <p:txBody>
+          <a:bodyPr rtlCol="0" anchor="ctr"/>
+          <a:lstStyle/>
+          <a:p>
+            <a:pPr algn="ctr"/>
+            <a:r>
+              <a:rPr lang="en-US" sz="1600" dirty="0" smtClean="0">
+                <a:solidFill>
+                  <a:schemeClr val="tx1"/>
+                </a:solidFill>
+              </a:rPr>
+              <a:t>Expert-guide parameters</a:t>
+            </a:r>
+            <a:endParaRPr lang="en-US" sz="1600" dirty="0">
+              <a:solidFill>
+                <a:schemeClr val="tx1"/>
+              </a:solidFill>
+            </a:endParaRPr>
+          </a:p>
+        </p:txBody>
+      </p:sp>
+      <p:sp>
+        <p:nvSpPr>
+          <p:cNvPr id="18" name="Rectangle 17"/>
+          <p:cNvSpPr/>
+          <p:nvPr/>
+        </p:nvSpPr>
+        <p:spPr>
+          <a:xfrm>
+            <a:off x="4731787" y="4596997"/>
+            <a:ext cx="857069" cy="192750"/>
+          </a:xfrm>
+          <a:prstGeom prst="rect">
+            <a:avLst/>
+          </a:prstGeom>
+        </p:spPr>
+        <p:style>
+          <a:lnRef idx="1">
+            <a:schemeClr val="accent1"/>
+          </a:lnRef>
+          <a:fillRef idx="3">
+            <a:schemeClr val="accent1"/>
+          </a:fillRef>
+          <a:effectRef idx="2">
+            <a:schemeClr val="accent1"/>
+          </a:effectRef>
+          <a:fontRef idx="minor">
+            <a:schemeClr val="lt1"/>
+          </a:fontRef>
+        </p:style>
+        <p:txBody>
+          <a:bodyPr rtlCol="0" anchor="ctr"/>
+          <a:lstStyle/>
+          <a:p>
+            <a:pPr algn="ctr"/>
+            <a:endParaRPr lang="en-US"/>
+          </a:p>
+        </p:txBody>
+      </p:sp>
+      <p:sp>
+        <p:nvSpPr>
+          <p:cNvPr id="19" name="Down Arrow 18"/>
+          <p:cNvSpPr/>
+          <p:nvPr/>
+        </p:nvSpPr>
+        <p:spPr>
+          <a:xfrm>
+            <a:off x="4962200" y="4800196"/>
+            <a:ext cx="396241" cy="706523"/>
+          </a:xfrm>
+          <a:prstGeom prst="downArrow">
+            <a:avLst/>
+          </a:prstGeom>
+        </p:spPr>
+        <p:style>
+          <a:lnRef idx="1">
+            <a:schemeClr val="accent1"/>
+          </a:lnRef>
+          <a:fillRef idx="3">
+            <a:schemeClr val="accent1"/>
+          </a:fillRef>
+          <a:effectRef idx="2">
+            <a:schemeClr val="accent1"/>
+          </a:effectRef>
+          <a:fontRef idx="minor">
+            <a:schemeClr val="lt1"/>
+          </a:fontRef>
+        </p:style>
+        <p:txBody>
+          <a:bodyPr rtlCol="0" anchor="ctr"/>
+          <a:lstStyle/>
+          <a:p>
+            <a:pPr algn="ctr"/>
+            <a:endParaRPr lang="en-US"/>
+          </a:p>
+        </p:txBody>
+      </p:sp>
+      <p:sp>
+        <p:nvSpPr>
+          <p:cNvPr id="20" name="Rectangle 19"/>
+          <p:cNvSpPr/>
+          <p:nvPr/>
+        </p:nvSpPr>
+        <p:spPr>
+          <a:xfrm>
+            <a:off x="4115588" y="5506718"/>
+            <a:ext cx="2117999" cy="721362"/>
+          </a:xfrm>
+          <a:prstGeom prst="rect">
+            <a:avLst/>
+          </a:prstGeom>
+          <a:solidFill>
+            <a:srgbClr val="FFFF00"/>
+          </a:solidFill>
+          <a:ln>
+            <a:solidFill>
+              <a:schemeClr val="bg2"/>
+            </a:solidFill>
+          </a:ln>
+        </p:spPr>
+        <p:style>
+          <a:lnRef idx="1">
+            <a:schemeClr val="accent1"/>
+          </a:lnRef>
+          <a:fillRef idx="3">
+            <a:schemeClr val="accent1"/>
+          </a:fillRef>
+          <a:effectRef idx="2">
+            <a:schemeClr val="accent1"/>
+          </a:effectRef>
+          <a:fontRef idx="minor">
+            <a:schemeClr val="lt1"/>
+          </a:fontRef>
+        </p:style>
+        <p:txBody>
+          <a:bodyPr rtlCol="0" anchor="ctr"/>
+          <a:lstStyle/>
+          <a:p>
+            <a:pPr algn="ctr"/>
+            <a:r>
+              <a:rPr lang="en-US" sz="1600" dirty="0" smtClean="0">
+                <a:solidFill>
+                  <a:schemeClr val="tx1"/>
+                </a:solidFill>
+              </a:rPr>
+              <a:t>Populate measurement for  new variable from densities</a:t>
+            </a:r>
+            <a:endParaRPr lang="en-US" sz="1600" dirty="0">
               <a:solidFill>
                 <a:schemeClr val="tx1"/>
               </a:solidFill>
@@ -4547,14 +5165,14 @@
                 <a:noFill/>
               </a:ln>
               <a:extLst>
-                <a:ext uri="{909E8E84-426E-40dd-AFC4-6F175D3DCCD1}">
+                <a:ext uri="{909E8E84-426E-40DD-AFC4-6F175D3DCCD1}">
                   <a14:hiddenFill xmlns:a14="http://schemas.microsoft.com/office/drawing/2010/main">
                     <a:solidFill>
                       <a:schemeClr val="accent1"/>
                     </a:solidFill>
                   </a14:hiddenFill>
                 </a:ext>
-                <a:ext uri="{91240B29-F687-4f45-9708-019B960494DF}">
+                <a:ext uri="{91240B29-F687-4F45-9708-019B960494DF}">
                   <a14:hiddenLine xmlns:a14="http://schemas.microsoft.com/office/drawing/2010/main" w="9525">
                     <a:solidFill>
                       <a:schemeClr val="tx1"/>
@@ -4729,7 +5347,7 @@
   <p:timing>
     <p:tnLst>
       <p:par>
-        <p:cTn xmlns:p14="http://schemas.microsoft.com/office/powerpoint/2010/main" id="1" dur="indefinite" restart="never" nodeType="tmRoot"/>
+        <p:cTn id="1" dur="indefinite" restart="never" nodeType="tmRoot"/>
       </p:par>
     </p:tnLst>
   </p:timing>

--- a/manuscript/figures-draft-03.pptx
+++ b/manuscript/figures-draft-03.pptx
@@ -5,7 +5,7 @@
     <p:sldMasterId id="2147483648" r:id="rId1"/>
   </p:sldMasterIdLst>
   <p:notesMasterIdLst>
-    <p:notesMasterId r:id="rId7"/>
+    <p:notesMasterId r:id="rId8"/>
   </p:notesMasterIdLst>
   <p:sldIdLst>
     <p:sldId id="263" r:id="rId2"/>
@@ -13,6 +13,7 @@
     <p:sldId id="265" r:id="rId4"/>
     <p:sldId id="271" r:id="rId5"/>
     <p:sldId id="269" r:id="rId6"/>
+    <p:sldId id="272" r:id="rId7"/>
   </p:sldIdLst>
   <p:sldSz cx="9144000" cy="6858000" type="screen4x3"/>
   <p:notesSz cx="6858000" cy="9144000"/>
@@ -196,7 +197,7 @@
           <a:p>
             <a:fld id="{8B4EBA7A-56E1-4937-B6A7-4CCE0E7AD144}" type="datetimeFigureOut">
               <a:rPr lang="en-US" smtClean="0"/>
-              <a:t>10/10/2014</a:t>
+              <a:t>10/14/2014</a:t>
             </a:fld>
             <a:endParaRPr lang="en-US"/>
           </a:p>
@@ -837,7 +838,7 @@
           <a:p>
             <a:fld id="{D604A245-C8BD-064D-B7C3-50DA7C8D409F}" type="datetimeFigureOut">
               <a:rPr lang="en-US" smtClean="0"/>
-              <a:t>10/10/2014</a:t>
+              <a:t>10/14/2014</a:t>
             </a:fld>
             <a:endParaRPr lang="en-US"/>
           </a:p>
@@ -1007,7 +1008,7 @@
           <a:p>
             <a:fld id="{D604A245-C8BD-064D-B7C3-50DA7C8D409F}" type="datetimeFigureOut">
               <a:rPr lang="en-US" smtClean="0"/>
-              <a:t>10/10/2014</a:t>
+              <a:t>10/14/2014</a:t>
             </a:fld>
             <a:endParaRPr lang="en-US"/>
           </a:p>
@@ -1187,7 +1188,7 @@
           <a:p>
             <a:fld id="{D604A245-C8BD-064D-B7C3-50DA7C8D409F}" type="datetimeFigureOut">
               <a:rPr lang="en-US" smtClean="0"/>
-              <a:t>10/10/2014</a:t>
+              <a:t>10/14/2014</a:t>
             </a:fld>
             <a:endParaRPr lang="en-US"/>
           </a:p>
@@ -1357,7 +1358,7 @@
           <a:p>
             <a:fld id="{D604A245-C8BD-064D-B7C3-50DA7C8D409F}" type="datetimeFigureOut">
               <a:rPr lang="en-US" smtClean="0"/>
-              <a:t>10/10/2014</a:t>
+              <a:t>10/14/2014</a:t>
             </a:fld>
             <a:endParaRPr lang="en-US"/>
           </a:p>
@@ -1603,7 +1604,7 @@
           <a:p>
             <a:fld id="{D604A245-C8BD-064D-B7C3-50DA7C8D409F}" type="datetimeFigureOut">
               <a:rPr lang="en-US" smtClean="0"/>
-              <a:t>10/10/2014</a:t>
+              <a:t>10/14/2014</a:t>
             </a:fld>
             <a:endParaRPr lang="en-US"/>
           </a:p>
@@ -1891,7 +1892,7 @@
           <a:p>
             <a:fld id="{D604A245-C8BD-064D-B7C3-50DA7C8D409F}" type="datetimeFigureOut">
               <a:rPr lang="en-US" smtClean="0"/>
-              <a:t>10/10/2014</a:t>
+              <a:t>10/14/2014</a:t>
             </a:fld>
             <a:endParaRPr lang="en-US"/>
           </a:p>
@@ -2313,7 +2314,7 @@
           <a:p>
             <a:fld id="{D604A245-C8BD-064D-B7C3-50DA7C8D409F}" type="datetimeFigureOut">
               <a:rPr lang="en-US" smtClean="0"/>
-              <a:t>10/10/2014</a:t>
+              <a:t>10/14/2014</a:t>
             </a:fld>
             <a:endParaRPr lang="en-US"/>
           </a:p>
@@ -2431,7 +2432,7 @@
           <a:p>
             <a:fld id="{D604A245-C8BD-064D-B7C3-50DA7C8D409F}" type="datetimeFigureOut">
               <a:rPr lang="en-US" smtClean="0"/>
-              <a:t>10/10/2014</a:t>
+              <a:t>10/14/2014</a:t>
             </a:fld>
             <a:endParaRPr lang="en-US"/>
           </a:p>
@@ -2526,7 +2527,7 @@
           <a:p>
             <a:fld id="{D604A245-C8BD-064D-B7C3-50DA7C8D409F}" type="datetimeFigureOut">
               <a:rPr lang="en-US" smtClean="0"/>
-              <a:t>10/10/2014</a:t>
+              <a:t>10/14/2014</a:t>
             </a:fld>
             <a:endParaRPr lang="en-US"/>
           </a:p>
@@ -2803,7 +2804,7 @@
           <a:p>
             <a:fld id="{D604A245-C8BD-064D-B7C3-50DA7C8D409F}" type="datetimeFigureOut">
               <a:rPr lang="en-US" smtClean="0"/>
-              <a:t>10/10/2014</a:t>
+              <a:t>10/14/2014</a:t>
             </a:fld>
             <a:endParaRPr lang="en-US"/>
           </a:p>
@@ -3056,7 +3057,7 @@
           <a:p>
             <a:fld id="{D604A245-C8BD-064D-B7C3-50DA7C8D409F}" type="datetimeFigureOut">
               <a:rPr lang="en-US" smtClean="0"/>
-              <a:t>10/10/2014</a:t>
+              <a:t>10/14/2014</a:t>
             </a:fld>
             <a:endParaRPr lang="en-US"/>
           </a:p>
@@ -3269,7 +3270,7 @@
           <a:p>
             <a:fld id="{D604A245-C8BD-064D-B7C3-50DA7C8D409F}" type="datetimeFigureOut">
               <a:rPr lang="en-US" smtClean="0"/>
-              <a:t>10/10/2014</a:t>
+              <a:t>10/14/2014</a:t>
             </a:fld>
             <a:endParaRPr lang="en-US"/>
           </a:p>
@@ -5474,6 +5475,66 @@
 </p:sld>
 </file>
 
+<file path=ppt/slides/slide6.xml><?xml version="1.0" encoding="utf-8"?>
+<p:sld xmlns:a="http://schemas.openxmlformats.org/drawingml/2006/main" xmlns:r="http://schemas.openxmlformats.org/officeDocument/2006/relationships" xmlns:p="http://schemas.openxmlformats.org/presentationml/2006/main">
+  <p:cSld>
+    <p:spTree>
+      <p:nvGrpSpPr>
+        <p:cNvPr id="1" name=""/>
+        <p:cNvGrpSpPr/>
+        <p:nvPr/>
+      </p:nvGrpSpPr>
+      <p:grpSpPr>
+        <a:xfrm>
+          <a:off x="0" y="0"/>
+          <a:ext cx="0" cy="0"/>
+          <a:chOff x="0" y="0"/>
+          <a:chExt cx="0" cy="0"/>
+        </a:xfrm>
+      </p:grpSpPr>
+      <p:pic>
+        <p:nvPicPr>
+          <p:cNvPr id="2" name="Picture 1"/>
+          <p:cNvPicPr>
+            <a:picLocks noChangeAspect="1"/>
+          </p:cNvPicPr>
+          <p:nvPr/>
+        </p:nvPicPr>
+        <p:blipFill>
+          <a:blip r:embed="rId2">
+            <a:extLst>
+              <a:ext uri="{28A0092B-C50C-407E-A947-70E740481C1C}">
+                <a14:useLocalDpi xmlns:a14="http://schemas.microsoft.com/office/drawing/2010/main" val="0"/>
+              </a:ext>
+            </a:extLst>
+          </a:blip>
+          <a:stretch>
+            <a:fillRect/>
+          </a:stretch>
+        </p:blipFill>
+        <p:spPr>
+          <a:xfrm>
+            <a:off x="1371600" y="233362"/>
+            <a:ext cx="6400800" cy="6391275"/>
+          </a:xfrm>
+          <a:prstGeom prst="rect">
+            <a:avLst/>
+          </a:prstGeom>
+        </p:spPr>
+      </p:pic>
+    </p:spTree>
+    <p:extLst>
+      <p:ext uri="{BB962C8B-B14F-4D97-AF65-F5344CB8AC3E}">
+        <p14:creationId xmlns:p14="http://schemas.microsoft.com/office/powerpoint/2010/main" val="2385893460"/>
+      </p:ext>
+    </p:extLst>
+  </p:cSld>
+  <p:clrMapOvr>
+    <a:masterClrMapping/>
+  </p:clrMapOvr>
+</p:sld>
+</file>
+
 <file path=ppt/theme/theme1.xml><?xml version="1.0" encoding="utf-8"?>
 <a:theme xmlns:a="http://schemas.openxmlformats.org/drawingml/2006/main" name="Office Theme">
   <a:themeElements>

--- a/manuscript/figures-draft-03.pptx
+++ b/manuscript/figures-draft-03.pptx
@@ -197,7 +197,7 @@
           <a:p>
             <a:fld id="{8B4EBA7A-56E1-4937-B6A7-4CCE0E7AD144}" type="datetimeFigureOut">
               <a:rPr lang="en-US" smtClean="0"/>
-              <a:t>10/14/2014</a:t>
+              <a:t>10/16/2014</a:t>
             </a:fld>
             <a:endParaRPr lang="en-US"/>
           </a:p>
@@ -838,7 +838,7 @@
           <a:p>
             <a:fld id="{D604A245-C8BD-064D-B7C3-50DA7C8D409F}" type="datetimeFigureOut">
               <a:rPr lang="en-US" smtClean="0"/>
-              <a:t>10/14/2014</a:t>
+              <a:t>10/16/2014</a:t>
             </a:fld>
             <a:endParaRPr lang="en-US"/>
           </a:p>
@@ -1008,7 +1008,7 @@
           <a:p>
             <a:fld id="{D604A245-C8BD-064D-B7C3-50DA7C8D409F}" type="datetimeFigureOut">
               <a:rPr lang="en-US" smtClean="0"/>
-              <a:t>10/14/2014</a:t>
+              <a:t>10/16/2014</a:t>
             </a:fld>
             <a:endParaRPr lang="en-US"/>
           </a:p>
@@ -1188,7 +1188,7 @@
           <a:p>
             <a:fld id="{D604A245-C8BD-064D-B7C3-50DA7C8D409F}" type="datetimeFigureOut">
               <a:rPr lang="en-US" smtClean="0"/>
-              <a:t>10/14/2014</a:t>
+              <a:t>10/16/2014</a:t>
             </a:fld>
             <a:endParaRPr lang="en-US"/>
           </a:p>
@@ -1358,7 +1358,7 @@
           <a:p>
             <a:fld id="{D604A245-C8BD-064D-B7C3-50DA7C8D409F}" type="datetimeFigureOut">
               <a:rPr lang="en-US" smtClean="0"/>
-              <a:t>10/14/2014</a:t>
+              <a:t>10/16/2014</a:t>
             </a:fld>
             <a:endParaRPr lang="en-US"/>
           </a:p>
@@ -1604,7 +1604,7 @@
           <a:p>
             <a:fld id="{D604A245-C8BD-064D-B7C3-50DA7C8D409F}" type="datetimeFigureOut">
               <a:rPr lang="en-US" smtClean="0"/>
-              <a:t>10/14/2014</a:t>
+              <a:t>10/16/2014</a:t>
             </a:fld>
             <a:endParaRPr lang="en-US"/>
           </a:p>
@@ -1892,7 +1892,7 @@
           <a:p>
             <a:fld id="{D604A245-C8BD-064D-B7C3-50DA7C8D409F}" type="datetimeFigureOut">
               <a:rPr lang="en-US" smtClean="0"/>
-              <a:t>10/14/2014</a:t>
+              <a:t>10/16/2014</a:t>
             </a:fld>
             <a:endParaRPr lang="en-US"/>
           </a:p>
@@ -2314,7 +2314,7 @@
           <a:p>
             <a:fld id="{D604A245-C8BD-064D-B7C3-50DA7C8D409F}" type="datetimeFigureOut">
               <a:rPr lang="en-US" smtClean="0"/>
-              <a:t>10/14/2014</a:t>
+              <a:t>10/16/2014</a:t>
             </a:fld>
             <a:endParaRPr lang="en-US"/>
           </a:p>
@@ -2432,7 +2432,7 @@
           <a:p>
             <a:fld id="{D604A245-C8BD-064D-B7C3-50DA7C8D409F}" type="datetimeFigureOut">
               <a:rPr lang="en-US" smtClean="0"/>
-              <a:t>10/14/2014</a:t>
+              <a:t>10/16/2014</a:t>
             </a:fld>
             <a:endParaRPr lang="en-US"/>
           </a:p>
@@ -2527,7 +2527,7 @@
           <a:p>
             <a:fld id="{D604A245-C8BD-064D-B7C3-50DA7C8D409F}" type="datetimeFigureOut">
               <a:rPr lang="en-US" smtClean="0"/>
-              <a:t>10/14/2014</a:t>
+              <a:t>10/16/2014</a:t>
             </a:fld>
             <a:endParaRPr lang="en-US"/>
           </a:p>
@@ -2804,7 +2804,7 @@
           <a:p>
             <a:fld id="{D604A245-C8BD-064D-B7C3-50DA7C8D409F}" type="datetimeFigureOut">
               <a:rPr lang="en-US" smtClean="0"/>
-              <a:t>10/14/2014</a:t>
+              <a:t>10/16/2014</a:t>
             </a:fld>
             <a:endParaRPr lang="en-US"/>
           </a:p>
@@ -3057,7 +3057,7 @@
           <a:p>
             <a:fld id="{D604A245-C8BD-064D-B7C3-50DA7C8D409F}" type="datetimeFigureOut">
               <a:rPr lang="en-US" smtClean="0"/>
-              <a:t>10/14/2014</a:t>
+              <a:t>10/16/2014</a:t>
             </a:fld>
             <a:endParaRPr lang="en-US"/>
           </a:p>
@@ -3270,7 +3270,7 @@
           <a:p>
             <a:fld id="{D604A245-C8BD-064D-B7C3-50DA7C8D409F}" type="datetimeFigureOut">
               <a:rPr lang="en-US" smtClean="0"/>
-              <a:t>10/14/2014</a:t>
+              <a:t>10/16/2014</a:t>
             </a:fld>
             <a:endParaRPr lang="en-US"/>
           </a:p>
